--- a/figures/parent_effects_H2F/Slopes_HN.pptx
+++ b/figures/parent_effects_H2F/Slopes_HN.pptx
@@ -107,6 +107,11 @@
       </a:defRPr>
     </a:lvl9pPr>
   </p:defaultTextStyle>
+  <p:extLst>
+    <p:ext uri="{EFAFB233-063F-42B5-8137-9DF3F51BA10A}">
+      <p15:sldGuideLst xmlns:p15="http://schemas.microsoft.com/office/powerpoint/2012/main"/>
+    </p:ext>
+  </p:extLst>
 </p:presentation>
 </file>
 
@@ -192,7 +197,7 @@
           <a:p>
             <a:fld id="{308794EF-2E65-1D40-A05A-85170B4C33E4}" type="datetimeFigureOut">
               <a:rPr lang="en-US" smtClean="0"/>
-              <a:t>7/29/25</a:t>
+              <a:t>11/23/25</a:t>
             </a:fld>
             <a:endParaRPr lang="en-US"/>
           </a:p>
@@ -690,7 +695,7 @@
           <a:p>
             <a:fld id="{60400787-A42D-A141-85E4-5B27D7A37621}" type="datetimeFigureOut">
               <a:rPr lang="en-US" smtClean="0"/>
-              <a:t>7/29/25</a:t>
+              <a:t>11/23/25</a:t>
             </a:fld>
             <a:endParaRPr lang="en-US"/>
           </a:p>
@@ -888,7 +893,7 @@
           <a:p>
             <a:fld id="{60400787-A42D-A141-85E4-5B27D7A37621}" type="datetimeFigureOut">
               <a:rPr lang="en-US" smtClean="0"/>
-              <a:t>7/29/25</a:t>
+              <a:t>11/23/25</a:t>
             </a:fld>
             <a:endParaRPr lang="en-US"/>
           </a:p>
@@ -1096,7 +1101,7 @@
           <a:p>
             <a:fld id="{60400787-A42D-A141-85E4-5B27D7A37621}" type="datetimeFigureOut">
               <a:rPr lang="en-US" smtClean="0"/>
-              <a:t>7/29/25</a:t>
+              <a:t>11/23/25</a:t>
             </a:fld>
             <a:endParaRPr lang="en-US"/>
           </a:p>
@@ -1294,7 +1299,7 @@
           <a:p>
             <a:fld id="{60400787-A42D-A141-85E4-5B27D7A37621}" type="datetimeFigureOut">
               <a:rPr lang="en-US" smtClean="0"/>
-              <a:t>7/29/25</a:t>
+              <a:t>11/23/25</a:t>
             </a:fld>
             <a:endParaRPr lang="en-US"/>
           </a:p>
@@ -1569,7 +1574,7 @@
           <a:p>
             <a:fld id="{60400787-A42D-A141-85E4-5B27D7A37621}" type="datetimeFigureOut">
               <a:rPr lang="en-US" smtClean="0"/>
-              <a:t>7/29/25</a:t>
+              <a:t>11/23/25</a:t>
             </a:fld>
             <a:endParaRPr lang="en-US"/>
           </a:p>
@@ -1834,7 +1839,7 @@
           <a:p>
             <a:fld id="{60400787-A42D-A141-85E4-5B27D7A37621}" type="datetimeFigureOut">
               <a:rPr lang="en-US" smtClean="0"/>
-              <a:t>7/29/25</a:t>
+              <a:t>11/23/25</a:t>
             </a:fld>
             <a:endParaRPr lang="en-US"/>
           </a:p>
@@ -2246,7 +2251,7 @@
           <a:p>
             <a:fld id="{60400787-A42D-A141-85E4-5B27D7A37621}" type="datetimeFigureOut">
               <a:rPr lang="en-US" smtClean="0"/>
-              <a:t>7/29/25</a:t>
+              <a:t>11/23/25</a:t>
             </a:fld>
             <a:endParaRPr lang="en-US"/>
           </a:p>
@@ -2387,7 +2392,7 @@
           <a:p>
             <a:fld id="{60400787-A42D-A141-85E4-5B27D7A37621}" type="datetimeFigureOut">
               <a:rPr lang="en-US" smtClean="0"/>
-              <a:t>7/29/25</a:t>
+              <a:t>11/23/25</a:t>
             </a:fld>
             <a:endParaRPr lang="en-US"/>
           </a:p>
@@ -2500,7 +2505,7 @@
           <a:p>
             <a:fld id="{60400787-A42D-A141-85E4-5B27D7A37621}" type="datetimeFigureOut">
               <a:rPr lang="en-US" smtClean="0"/>
-              <a:t>7/29/25</a:t>
+              <a:t>11/23/25</a:t>
             </a:fld>
             <a:endParaRPr lang="en-US"/>
           </a:p>
@@ -2811,7 +2816,7 @@
           <a:p>
             <a:fld id="{60400787-A42D-A141-85E4-5B27D7A37621}" type="datetimeFigureOut">
               <a:rPr lang="en-US" smtClean="0"/>
-              <a:t>7/29/25</a:t>
+              <a:t>11/23/25</a:t>
             </a:fld>
             <a:endParaRPr lang="en-US"/>
           </a:p>
@@ -3099,7 +3104,7 @@
           <a:p>
             <a:fld id="{60400787-A42D-A141-85E4-5B27D7A37621}" type="datetimeFigureOut">
               <a:rPr lang="en-US" smtClean="0"/>
-              <a:t>7/29/25</a:t>
+              <a:t>11/23/25</a:t>
             </a:fld>
             <a:endParaRPr lang="en-US"/>
           </a:p>
@@ -3340,7 +3345,7 @@
           <a:p>
             <a:fld id="{60400787-A42D-A141-85E4-5B27D7A37621}" type="datetimeFigureOut">
               <a:rPr lang="en-US" smtClean="0"/>
-              <a:t>7/29/25</a:t>
+              <a:t>11/23/25</a:t>
             </a:fld>
             <a:endParaRPr lang="en-US"/>
           </a:p>
@@ -3759,10 +3764,10 @@
       </p:grpSpPr>
       <p:pic>
         <p:nvPicPr>
-          <p:cNvPr id="7" name="Picture 6">
-            <a:extLst>
-              <a:ext uri="{FF2B5EF4-FFF2-40B4-BE49-F238E27FC236}">
-                <a16:creationId xmlns:a16="http://schemas.microsoft.com/office/drawing/2014/main" id="{BE1257FB-F6AF-F866-1B96-B222D1FF56D3}"/>
+          <p:cNvPr id="3" name="Picture 2">
+            <a:extLst>
+              <a:ext uri="{FF2B5EF4-FFF2-40B4-BE49-F238E27FC236}">
+                <a16:creationId xmlns:a16="http://schemas.microsoft.com/office/drawing/2014/main" id="{3476F231-F22C-E31E-138E-09D8C65CDDC6}"/>
               </a:ext>
             </a:extLst>
           </p:cNvPr>
@@ -3779,8 +3784,8 @@
         </p:blipFill>
         <p:spPr>
           <a:xfrm>
-            <a:off x="434974" y="194128"/>
-            <a:ext cx="11322052" cy="6469744"/>
+            <a:off x="406400" y="177799"/>
+            <a:ext cx="11379200" cy="6502401"/>
           </a:xfrm>
           <a:prstGeom prst="rect">
             <a:avLst/>
